--- a/docs/brd-images.pptx
+++ b/docs/brd-images.pptx
@@ -3744,8 +3744,8 @@
           <a:p>
             <a:pPr algn="ctr"/>
             <a:r>
-              <a:rPr lang="en-US" dirty="0" err="1" smtClean="0"/>
-              <a:t>ProductCustomer</a:t>
+              <a:rPr lang="en-US" dirty="0" smtClean="0"/>
+              <a:t>Ownership Service</a:t>
             </a:r>
             <a:endParaRPr lang="en-US" dirty="0"/>
           </a:p>
@@ -3846,7 +3846,8 @@
             <a:avLst/>
           </a:prstGeom>
           <a:ln>
-            <a:tailEnd type="arrow"/>
+            <a:headEnd type="triangle"/>
+            <a:tailEnd type="none"/>
           </a:ln>
         </p:spPr>
         <p:style>
@@ -3884,7 +3885,8 @@
             </a:avLst>
           </a:prstGeom>
           <a:ln>
-            <a:tailEnd type="arrow"/>
+            <a:headEnd type="triangle" w="lg" len="lg"/>
+            <a:tailEnd type="none"/>
           </a:ln>
         </p:spPr>
         <p:style>

--- a/docs/brd-images.pptx
+++ b/docs/brd-images.pptx
@@ -3832,7 +3832,6 @@
         <p:nvCxnSpPr>
           <p:cNvPr id="41" name="Elbow Connector 40"/>
           <p:cNvCxnSpPr>
-            <a:stCxn id="11" idx="2"/>
             <a:endCxn id="36" idx="3"/>
           </p:cNvCxnSpPr>
           <p:nvPr/>
@@ -3840,7 +3839,7 @@
         <p:spPr>
           <a:xfrm rot="5400000">
             <a:off x="2745037" y="3984292"/>
-            <a:ext cx="1450735" cy="1211964"/>
+            <a:ext cx="1450736" cy="1211965"/>
           </a:xfrm>
           <a:prstGeom prst="bentConnector3">
             <a:avLst/>

--- a/docs/brd-images.pptx
+++ b/docs/brd-images.pptx
@@ -3675,8 +3675,8 @@
         </p:nvSpPr>
         <p:spPr>
           <a:xfrm>
-            <a:off x="4573654" y="5232423"/>
-            <a:ext cx="1897270" cy="1208661"/>
+            <a:off x="3877464" y="5229220"/>
+            <a:ext cx="1484181" cy="847383"/>
           </a:xfrm>
           <a:prstGeom prst="cloud">
             <a:avLst/>
@@ -3702,10 +3702,10 @@
           <a:p>
             <a:pPr algn="ctr"/>
             <a:r>
-              <a:rPr lang="en-US" dirty="0" err="1" smtClean="0"/>
+              <a:rPr lang="en-US" sz="1100" dirty="0" err="1" smtClean="0"/>
               <a:t>JanRain</a:t>
             </a:r>
-            <a:endParaRPr lang="en-US" dirty="0"/>
+            <a:endParaRPr lang="en-US" sz="1100" dirty="0"/>
           </a:p>
         </p:txBody>
       </p:sp>
@@ -3717,8 +3717,8 @@
         </p:nvSpPr>
         <p:spPr>
           <a:xfrm>
-            <a:off x="1438253" y="5246536"/>
-            <a:ext cx="2852338" cy="1208661"/>
+            <a:off x="1981420" y="5229220"/>
+            <a:ext cx="1684342" cy="937376"/>
           </a:xfrm>
           <a:prstGeom prst="cloud">
             <a:avLst/>
@@ -3744,10 +3744,10 @@
           <a:p>
             <a:pPr algn="ctr"/>
             <a:r>
-              <a:rPr lang="en-US" dirty="0" smtClean="0"/>
+              <a:rPr lang="en-US" sz="1100" dirty="0" smtClean="0"/>
               <a:t>Ownership Service</a:t>
             </a:r>
-            <a:endParaRPr lang="en-US" dirty="0"/>
+            <a:endParaRPr lang="en-US" sz="1100" dirty="0"/>
           </a:p>
         </p:txBody>
       </p:sp>
@@ -3832,17 +3832,20 @@
         <p:nvCxnSpPr>
           <p:cNvPr id="41" name="Elbow Connector 40"/>
           <p:cNvCxnSpPr>
+            <a:stCxn id="11" idx="2"/>
             <a:endCxn id="36" idx="3"/>
           </p:cNvCxnSpPr>
           <p:nvPr/>
         </p:nvCxnSpPr>
         <p:spPr>
           <a:xfrm rot="5400000">
-            <a:off x="2745037" y="3984292"/>
-            <a:ext cx="1450736" cy="1211965"/>
+            <a:off x="2741035" y="3947464"/>
+            <a:ext cx="1417908" cy="1252795"/>
           </a:xfrm>
           <a:prstGeom prst="bentConnector3">
-            <a:avLst/>
+            <a:avLst>
+              <a:gd name="adj1" fmla="val 50000"/>
+            </a:avLst>
           </a:prstGeom>
           <a:ln>
             <a:headEnd type="triangle"/>
@@ -3875,8 +3878,8 @@
         </p:nvCxnSpPr>
         <p:spPr>
           <a:xfrm rot="16200000" flipH="1">
-            <a:off x="4081026" y="3860266"/>
-            <a:ext cx="1436622" cy="1445903"/>
+            <a:off x="3641589" y="4299703"/>
+            <a:ext cx="1412763" cy="543169"/>
           </a:xfrm>
           <a:prstGeom prst="bentConnector3">
             <a:avLst>
@@ -3959,6 +3962,87 @@
           </a:prstGeom>
           <a:ln>
             <a:tailEnd type="arrow"/>
+          </a:ln>
+        </p:spPr>
+        <p:style>
+          <a:lnRef idx="2">
+            <a:schemeClr val="accent1"/>
+          </a:lnRef>
+          <a:fillRef idx="0">
+            <a:schemeClr val="accent1"/>
+          </a:fillRef>
+          <a:effectRef idx="1">
+            <a:schemeClr val="accent1"/>
+          </a:effectRef>
+          <a:fontRef idx="minor">
+            <a:schemeClr val="tx1"/>
+          </a:fontRef>
+        </p:style>
+      </p:cxnSp>
+      <p:sp>
+        <p:nvSpPr>
+          <p:cNvPr id="69" name="Cloud 68"/>
+          <p:cNvSpPr/>
+          <p:nvPr/>
+        </p:nvSpPr>
+        <p:spPr>
+          <a:xfrm>
+            <a:off x="5618574" y="5220353"/>
+            <a:ext cx="1484181" cy="847383"/>
+          </a:xfrm>
+          <a:prstGeom prst="cloud">
+            <a:avLst/>
+          </a:prstGeom>
+        </p:spPr>
+        <p:style>
+          <a:lnRef idx="1">
+            <a:schemeClr val="accent1"/>
+          </a:lnRef>
+          <a:fillRef idx="3">
+            <a:schemeClr val="accent1"/>
+          </a:fillRef>
+          <a:effectRef idx="2">
+            <a:schemeClr val="accent1"/>
+          </a:effectRef>
+          <a:fontRef idx="minor">
+            <a:schemeClr val="lt1"/>
+          </a:fontRef>
+        </p:style>
+        <p:txBody>
+          <a:bodyPr rtlCol="0" anchor="ctr"/>
+          <a:lstStyle/>
+          <a:p>
+            <a:pPr algn="ctr"/>
+            <a:r>
+              <a:rPr lang="en-US" sz="1100" dirty="0" smtClean="0"/>
+              <a:t>Product Service</a:t>
+            </a:r>
+            <a:endParaRPr lang="en-US" sz="1100" dirty="0"/>
+          </a:p>
+        </p:txBody>
+      </p:sp>
+      <p:cxnSp>
+        <p:nvCxnSpPr>
+          <p:cNvPr id="70" name="Elbow Connector 69"/>
+          <p:cNvCxnSpPr>
+            <a:stCxn id="11" idx="2"/>
+            <a:endCxn id="69" idx="3"/>
+          </p:cNvCxnSpPr>
+          <p:nvPr/>
+        </p:nvCxnSpPr>
+        <p:spPr>
+          <a:xfrm rot="16200000" flipH="1">
+            <a:off x="4516577" y="3424715"/>
+            <a:ext cx="1403896" cy="2284279"/>
+          </a:xfrm>
+          <a:prstGeom prst="bentConnector3">
+            <a:avLst>
+              <a:gd name="adj1" fmla="val 50000"/>
+            </a:avLst>
+          </a:prstGeom>
+          <a:ln>
+            <a:headEnd type="triangle" w="lg" len="lg"/>
+            <a:tailEnd type="none"/>
           </a:ln>
         </p:spPr>
         <p:style>
